--- a/데이터크롤링_2016301501_이윤기.pptx
+++ b/데이터크롤링_2016301501_이윤기.pptx
@@ -5,7 +5,7 @@
     <p:sldMasterId id="2147483648" r:id="rId1"/>
   </p:sldMasterIdLst>
   <p:notesMasterIdLst>
-    <p:notesMasterId r:id="rId11"/>
+    <p:notesMasterId r:id="rId10"/>
   </p:notesMasterIdLst>
   <p:sldIdLst>
     <p:sldId id="259" r:id="rId2"/>
@@ -15,8 +15,7 @@
     <p:sldId id="265" r:id="rId6"/>
     <p:sldId id="281" r:id="rId7"/>
     <p:sldId id="282" r:id="rId8"/>
-    <p:sldId id="283" r:id="rId9"/>
-    <p:sldId id="256" r:id="rId10"/>
+    <p:sldId id="256" r:id="rId9"/>
   </p:sldIdLst>
   <p:sldSz cx="12192000" cy="6858000"/>
   <p:notesSz cx="6858000" cy="9144000"/>
@@ -5085,11 +5084,11 @@
   <p:clrMapOvr>
     <a:masterClrMapping/>
   </p:clrMapOvr>
-  <mc:AlternateContent xmlns:mc="http://schemas.openxmlformats.org/markup-compatibility/2006">
-    <mc:Choice xmlns:p14="http://schemas.microsoft.com/office/powerpoint/2010/main" Requires="p14">
+  <mc:AlternateContent xmlns:mc="http://schemas.openxmlformats.org/markup-compatibility/2006" xmlns:p14="http://schemas.microsoft.com/office/powerpoint/2010/main">
+    <mc:Choice Requires="p14">
       <p:transition p14:dur="10"/>
     </mc:Choice>
-    <mc:Fallback>
+    <mc:Fallback xmlns="">
       <p:transition/>
     </mc:Fallback>
   </mc:AlternateContent>
@@ -6207,6 +6206,155 @@
           </a:p>
         </p:txBody>
       </p:sp>
+      <p:pic>
+        <p:nvPicPr>
+          <p:cNvPr id="3" name="그림 2" descr="스크린샷이(가) 표시된 사진&#10;&#10;자동 생성된 설명">
+            <a:extLst>
+              <a:ext uri="{FF2B5EF4-FFF2-40B4-BE49-F238E27FC236}">
+                <a16:creationId xmlns:a16="http://schemas.microsoft.com/office/drawing/2014/main" id="{DEC917F1-B095-4469-B76C-5691AC43EF14}"/>
+              </a:ext>
+            </a:extLst>
+          </p:cNvPr>
+          <p:cNvPicPr>
+            <a:picLocks noChangeAspect="1"/>
+          </p:cNvPicPr>
+          <p:nvPr/>
+        </p:nvPicPr>
+        <p:blipFill>
+          <a:blip r:embed="rId2">
+            <a:extLst>
+              <a:ext uri="{28A0092B-C50C-407E-A947-70E740481C1C}">
+                <a14:useLocalDpi xmlns:a14="http://schemas.microsoft.com/office/drawing/2010/main" val="0"/>
+              </a:ext>
+            </a:extLst>
+          </a:blip>
+          <a:stretch>
+            <a:fillRect/>
+          </a:stretch>
+        </p:blipFill>
+        <p:spPr>
+          <a:xfrm>
+            <a:off x="1100904" y="1124067"/>
+            <a:ext cx="8695212" cy="1622814"/>
+          </a:xfrm>
+          <a:prstGeom prst="rect">
+            <a:avLst/>
+          </a:prstGeom>
+        </p:spPr>
+      </p:pic>
+      <p:sp>
+        <p:nvSpPr>
+          <p:cNvPr id="12" name="TextBox 11">
+            <a:extLst>
+              <a:ext uri="{FF2B5EF4-FFF2-40B4-BE49-F238E27FC236}">
+                <a16:creationId xmlns:a16="http://schemas.microsoft.com/office/drawing/2014/main" id="{50E12DBA-4A99-498A-97E1-25901C1B3B3A}"/>
+              </a:ext>
+            </a:extLst>
+          </p:cNvPr>
+          <p:cNvSpPr txBox="1"/>
+          <p:nvPr/>
+        </p:nvSpPr>
+        <p:spPr>
+          <a:xfrm>
+            <a:off x="866872" y="5193605"/>
+            <a:ext cx="11200764" cy="1752339"/>
+          </a:xfrm>
+          <a:prstGeom prst="rect">
+            <a:avLst/>
+          </a:prstGeom>
+          <a:noFill/>
+        </p:spPr>
+        <p:txBody>
+          <a:bodyPr wrap="square" rtlCol="0">
+            <a:spAutoFit/>
+          </a:bodyPr>
+          <a:lstStyle/>
+          <a:p>
+            <a:pPr marL="342900" indent="-342900" algn="just">
+              <a:lnSpc>
+                <a:spcPct val="150000"/>
+              </a:lnSpc>
+              <a:buFontTx/>
+              <a:buChar char="-"/>
+            </a:pPr>
+            <a:r>
+              <a:rPr lang="ko-KR" altLang="en-US" sz="2500" dirty="0"/>
+              <a:t>처음에 계획한 대로 한 번에 찾아보기 쉽게 하려 했지만 조금 부족했습니다</a:t>
+            </a:r>
+            <a:r>
+              <a:rPr lang="en-US" altLang="ko-KR" sz="2500" dirty="0"/>
+              <a:t>.</a:t>
+            </a:r>
+            <a:r>
+              <a:rPr lang="ko-KR" altLang="en-US" sz="2500" dirty="0"/>
+              <a:t> </a:t>
+            </a:r>
+            <a:r>
+              <a:rPr lang="en-US" altLang="ko-KR" sz="2500" dirty="0"/>
+              <a:t>Plot</a:t>
+            </a:r>
+            <a:r>
+              <a:rPr lang="ko-KR" altLang="en-US" sz="2500" dirty="0"/>
+              <a:t>을 이용하여 한눈에 보기 편하게 하려 했지만 실패하였습니다</a:t>
+            </a:r>
+            <a:r>
+              <a:rPr lang="en-US" altLang="ko-KR" sz="2500" dirty="0"/>
+              <a:t>.</a:t>
+            </a:r>
+            <a:r>
+              <a:rPr lang="ko-KR" altLang="en-US" sz="2500" dirty="0"/>
+              <a:t> </a:t>
+            </a:r>
+            <a:endParaRPr lang="en-US" altLang="ko-KR" sz="2500" dirty="0"/>
+          </a:p>
+          <a:p>
+            <a:pPr marL="342900" indent="-342900" algn="just">
+              <a:lnSpc>
+                <a:spcPct val="150000"/>
+              </a:lnSpc>
+              <a:buFontTx/>
+              <a:buChar char="-"/>
+            </a:pPr>
+            <a:endParaRPr lang="en-US" altLang="ko-KR" sz="2500" dirty="0"/>
+          </a:p>
+        </p:txBody>
+      </p:sp>
+      <p:pic>
+        <p:nvPicPr>
+          <p:cNvPr id="5" name="그림 4" descr="스크린샷이(가) 표시된 사진&#10;&#10;자동 생성된 설명">
+            <a:extLst>
+              <a:ext uri="{FF2B5EF4-FFF2-40B4-BE49-F238E27FC236}">
+                <a16:creationId xmlns:a16="http://schemas.microsoft.com/office/drawing/2014/main" id="{FAE05655-B5E6-4848-9699-83D625C52551}"/>
+              </a:ext>
+            </a:extLst>
+          </p:cNvPr>
+          <p:cNvPicPr>
+            <a:picLocks noChangeAspect="1"/>
+          </p:cNvPicPr>
+          <p:nvPr/>
+        </p:nvPicPr>
+        <p:blipFill>
+          <a:blip r:embed="rId3">
+            <a:extLst>
+              <a:ext uri="{28A0092B-C50C-407E-A947-70E740481C1C}">
+                <a14:useLocalDpi xmlns:a14="http://schemas.microsoft.com/office/drawing/2010/main" val="0"/>
+              </a:ext>
+            </a:extLst>
+          </a:blip>
+          <a:stretch>
+            <a:fillRect/>
+          </a:stretch>
+        </p:blipFill>
+        <p:spPr>
+          <a:xfrm>
+            <a:off x="1100904" y="2847277"/>
+            <a:ext cx="7597047" cy="2130755"/>
+          </a:xfrm>
+          <a:prstGeom prst="rect">
+            <a:avLst/>
+          </a:prstGeom>
+        </p:spPr>
+      </p:pic>
     </p:spTree>
     <p:extLst>
       <p:ext uri="{BB962C8B-B14F-4D97-AF65-F5344CB8AC3E}">
@@ -6229,243 +6377,6 @@
 </file>
 
 <file path=ppt/slides/slide8.xml><?xml version="1.0" encoding="utf-8"?>
-<p:sld xmlns:a="http://schemas.openxmlformats.org/drawingml/2006/main" xmlns:r="http://schemas.openxmlformats.org/officeDocument/2006/relationships" xmlns:p="http://schemas.openxmlformats.org/presentationml/2006/main">
-  <p:cSld>
-    <p:spTree>
-      <p:nvGrpSpPr>
-        <p:cNvPr id="1" name=""/>
-        <p:cNvGrpSpPr/>
-        <p:nvPr/>
-      </p:nvGrpSpPr>
-      <p:grpSpPr>
-        <a:xfrm>
-          <a:off x="0" y="0"/>
-          <a:ext cx="0" cy="0"/>
-          <a:chOff x="0" y="0"/>
-          <a:chExt cx="0" cy="0"/>
-        </a:xfrm>
-      </p:grpSpPr>
-      <p:cxnSp>
-        <p:nvCxnSpPr>
-          <p:cNvPr id="8" name="직선 연결선 7">
-            <a:extLst>
-              <a:ext uri="{FF2B5EF4-FFF2-40B4-BE49-F238E27FC236}">
-                <a16:creationId xmlns:a16="http://schemas.microsoft.com/office/drawing/2014/main" id="{5AD6AA90-CD59-4E9A-937E-CCF4570BB142}"/>
-              </a:ext>
-            </a:extLst>
-          </p:cNvPr>
-          <p:cNvCxnSpPr>
-            <a:cxnSpLocks/>
-          </p:cNvCxnSpPr>
-          <p:nvPr/>
-        </p:nvCxnSpPr>
-        <p:spPr>
-          <a:xfrm>
-            <a:off x="284480" y="851593"/>
-            <a:ext cx="11907520" cy="0"/>
-          </a:xfrm>
-          <a:prstGeom prst="line">
-            <a:avLst/>
-          </a:prstGeom>
-          <a:ln>
-            <a:solidFill>
-              <a:schemeClr val="tx1">
-                <a:lumMod val="50000"/>
-                <a:lumOff val="50000"/>
-              </a:schemeClr>
-            </a:solidFill>
-          </a:ln>
-        </p:spPr>
-        <p:style>
-          <a:lnRef idx="1">
-            <a:schemeClr val="accent1"/>
-          </a:lnRef>
-          <a:fillRef idx="0">
-            <a:schemeClr val="accent1"/>
-          </a:fillRef>
-          <a:effectRef idx="0">
-            <a:schemeClr val="accent1"/>
-          </a:effectRef>
-          <a:fontRef idx="minor">
-            <a:schemeClr val="tx1"/>
-          </a:fontRef>
-        </p:style>
-      </p:cxnSp>
-      <p:sp>
-        <p:nvSpPr>
-          <p:cNvPr id="9" name="TextBox 8">
-            <a:extLst>
-              <a:ext uri="{FF2B5EF4-FFF2-40B4-BE49-F238E27FC236}">
-                <a16:creationId xmlns:a16="http://schemas.microsoft.com/office/drawing/2014/main" id="{608A0146-CC5A-45BA-B8A4-E87BF473C4EF}"/>
-              </a:ext>
-            </a:extLst>
-          </p:cNvPr>
-          <p:cNvSpPr txBox="1"/>
-          <p:nvPr/>
-        </p:nvSpPr>
-        <p:spPr>
-          <a:xfrm>
-            <a:off x="386080" y="209788"/>
-            <a:ext cx="800219" cy="369332"/>
-          </a:xfrm>
-          <a:prstGeom prst="rect">
-            <a:avLst/>
-          </a:prstGeom>
-          <a:noFill/>
-        </p:spPr>
-        <p:txBody>
-          <a:bodyPr wrap="none" rtlCol="0">
-            <a:spAutoFit/>
-          </a:bodyPr>
-          <a:lstStyle/>
-          <a:p>
-            <a:r>
-              <a:rPr lang="en-US" altLang="ko-KR" dirty="0">
-                <a:solidFill>
-                  <a:schemeClr val="tx1">
-                    <a:lumMod val="75000"/>
-                    <a:lumOff val="25000"/>
-                  </a:schemeClr>
-                </a:solidFill>
-              </a:rPr>
-              <a:t>Part 6</a:t>
-            </a:r>
-            <a:endParaRPr lang="ko-KR" altLang="en-US" dirty="0">
-              <a:solidFill>
-                <a:schemeClr val="tx1">
-                  <a:lumMod val="75000"/>
-                  <a:lumOff val="25000"/>
-                </a:schemeClr>
-              </a:solidFill>
-            </a:endParaRPr>
-          </a:p>
-        </p:txBody>
-      </p:sp>
-      <p:sp>
-        <p:nvSpPr>
-          <p:cNvPr id="10" name="TextBox 9">
-            <a:extLst>
-              <a:ext uri="{FF2B5EF4-FFF2-40B4-BE49-F238E27FC236}">
-                <a16:creationId xmlns:a16="http://schemas.microsoft.com/office/drawing/2014/main" id="{0E5C4707-CBF4-4F33-98DF-39B6607C5A71}"/>
-              </a:ext>
-            </a:extLst>
-          </p:cNvPr>
-          <p:cNvSpPr txBox="1"/>
-          <p:nvPr/>
-        </p:nvSpPr>
-        <p:spPr>
-          <a:xfrm>
-            <a:off x="1186299" y="186789"/>
-            <a:ext cx="7879080" cy="646331"/>
-          </a:xfrm>
-          <a:prstGeom prst="rect">
-            <a:avLst/>
-          </a:prstGeom>
-          <a:noFill/>
-        </p:spPr>
-        <p:txBody>
-          <a:bodyPr wrap="none" rtlCol="0">
-            <a:spAutoFit/>
-          </a:bodyPr>
-          <a:lstStyle/>
-          <a:p>
-            <a:r>
-              <a:rPr lang="ko-KR" altLang="en-US" sz="3600" dirty="0"/>
-              <a:t>어려웠던 점</a:t>
-            </a:r>
-            <a:r>
-              <a:rPr lang="en-US" altLang="ko-KR" sz="3600" dirty="0"/>
-              <a:t>, </a:t>
-            </a:r>
-            <a:r>
-              <a:rPr lang="ko-KR" altLang="en-US" sz="3600" dirty="0"/>
-              <a:t>발생했던 문제</a:t>
-            </a:r>
-            <a:r>
-              <a:rPr lang="en-US" altLang="ko-KR" sz="3600" dirty="0"/>
-              <a:t>,</a:t>
-            </a:r>
-            <a:r>
-              <a:rPr lang="ko-KR" altLang="en-US" sz="3600" dirty="0"/>
-              <a:t> 해결방법</a:t>
-            </a:r>
-          </a:p>
-        </p:txBody>
-      </p:sp>
-      <p:sp>
-        <p:nvSpPr>
-          <p:cNvPr id="11" name="직사각형 10">
-            <a:extLst>
-              <a:ext uri="{FF2B5EF4-FFF2-40B4-BE49-F238E27FC236}">
-                <a16:creationId xmlns:a16="http://schemas.microsoft.com/office/drawing/2014/main" id="{B497F894-F0DF-4C6D-BE6D-CBAB23E0EB70}"/>
-              </a:ext>
-            </a:extLst>
-          </p:cNvPr>
-          <p:cNvSpPr/>
-          <p:nvPr/>
-        </p:nvSpPr>
-        <p:spPr>
-          <a:xfrm>
-            <a:off x="0" y="0"/>
-            <a:ext cx="284480" cy="6858000"/>
-          </a:xfrm>
-          <a:prstGeom prst="rect">
-            <a:avLst/>
-          </a:prstGeom>
-          <a:solidFill>
-            <a:schemeClr val="accent3"/>
-          </a:solidFill>
-          <a:ln>
-            <a:noFill/>
-          </a:ln>
-        </p:spPr>
-        <p:style>
-          <a:lnRef idx="2">
-            <a:schemeClr val="accent1">
-              <a:shade val="50000"/>
-            </a:schemeClr>
-          </a:lnRef>
-          <a:fillRef idx="1">
-            <a:schemeClr val="accent1"/>
-          </a:fillRef>
-          <a:effectRef idx="0">
-            <a:schemeClr val="accent1"/>
-          </a:effectRef>
-          <a:fontRef idx="minor">
-            <a:schemeClr val="lt1"/>
-          </a:fontRef>
-        </p:style>
-        <p:txBody>
-          <a:bodyPr rtlCol="0" anchor="ctr"/>
-          <a:lstStyle/>
-          <a:p>
-            <a:pPr algn="ctr"/>
-            <a:endParaRPr lang="ko-KR" altLang="en-US"/>
-          </a:p>
-        </p:txBody>
-      </p:sp>
-    </p:spTree>
-    <p:extLst>
-      <p:ext uri="{BB962C8B-B14F-4D97-AF65-F5344CB8AC3E}">
-        <p14:creationId xmlns:p14="http://schemas.microsoft.com/office/powerpoint/2010/main" val="254012659"/>
-      </p:ext>
-    </p:extLst>
-  </p:cSld>
-  <p:clrMapOvr>
-    <a:masterClrMapping/>
-  </p:clrMapOvr>
-  <mc:AlternateContent xmlns:mc="http://schemas.openxmlformats.org/markup-compatibility/2006" xmlns:p14="http://schemas.microsoft.com/office/powerpoint/2010/main">
-    <mc:Choice Requires="p14">
-      <p:transition p14:dur="0"/>
-    </mc:Choice>
-    <mc:Fallback xmlns="">
-      <p:transition/>
-    </mc:Fallback>
-  </mc:AlternateContent>
-</p:sld>
-</file>
-
-<file path=ppt/slides/slide9.xml><?xml version="1.0" encoding="utf-8"?>
 <p:sld xmlns:a="http://schemas.openxmlformats.org/drawingml/2006/main" xmlns:r="http://schemas.openxmlformats.org/officeDocument/2006/relationships" xmlns:p="http://schemas.openxmlformats.org/presentationml/2006/main">
   <p:cSld>
     <p:bg>

--- a/데이터크롤링_2016301501_이윤기.pptx
+++ b/데이터크롤링_2016301501_이윤기.pptx
@@ -6134,7 +6134,7 @@
         <p:spPr>
           <a:xfrm>
             <a:off x="1186299" y="186789"/>
-            <a:ext cx="1107996" cy="646331"/>
+            <a:ext cx="6955750" cy="1200329"/>
           </a:xfrm>
           <a:prstGeom prst="rect">
             <a:avLst/>
@@ -6151,6 +6151,25 @@
               <a:rPr lang="ko-KR" altLang="en-US" sz="3600" dirty="0"/>
               <a:t>결과</a:t>
             </a:r>
+            <a:r>
+              <a:rPr lang="en-US" altLang="ko-KR" sz="3600" dirty="0"/>
+              <a:t>, </a:t>
+            </a:r>
+            <a:r>
+              <a:rPr lang="ko-KR" altLang="en-US" sz="3600" dirty="0"/>
+              <a:t>어려웠던 점</a:t>
+            </a:r>
+            <a:r>
+              <a:rPr lang="en-US" altLang="ko-KR" sz="3600" dirty="0"/>
+              <a:t>, </a:t>
+            </a:r>
+            <a:r>
+              <a:rPr lang="ko-KR" altLang="en-US" sz="3600"/>
+              <a:t>발생했던 문제</a:t>
+            </a:r>
+          </a:p>
+          <a:p>
+            <a:endParaRPr lang="ko-KR" altLang="en-US" sz="3600" dirty="0"/>
           </a:p>
         </p:txBody>
       </p:sp>
@@ -6321,10 +6340,10 @@
       </p:sp>
       <p:pic>
         <p:nvPicPr>
-          <p:cNvPr id="5" name="그림 4" descr="스크린샷이(가) 표시된 사진&#10;&#10;자동 생성된 설명">
-            <a:extLst>
-              <a:ext uri="{FF2B5EF4-FFF2-40B4-BE49-F238E27FC236}">
-                <a16:creationId xmlns:a16="http://schemas.microsoft.com/office/drawing/2014/main" id="{FAE05655-B5E6-4848-9699-83D625C52551}"/>
+          <p:cNvPr id="4" name="그림 3" descr="스크린샷이(가) 표시된 사진&#10;&#10;자동 생성된 설명">
+            <a:extLst>
+              <a:ext uri="{FF2B5EF4-FFF2-40B4-BE49-F238E27FC236}">
+                <a16:creationId xmlns:a16="http://schemas.microsoft.com/office/drawing/2014/main" id="{285A28F6-6774-4FB1-8A16-1A932D7D191E}"/>
               </a:ext>
             </a:extLst>
           </p:cNvPr>
@@ -6347,8 +6366,8 @@
         </p:blipFill>
         <p:spPr>
           <a:xfrm>
-            <a:off x="1100904" y="2847277"/>
-            <a:ext cx="7597047" cy="2130755"/>
+            <a:off x="1100904" y="2834640"/>
+            <a:ext cx="7770782" cy="1622814"/>
           </a:xfrm>
           <a:prstGeom prst="rect">
             <a:avLst/>
